--- a/OSI-and-TCP.pptx
+++ b/OSI-and-TCP.pptx
@@ -113,23 +113,31 @@
 </p:presentation>
 </file>
 
+<file path=ppt/revisionInfo.xml><?xml version="1.0" encoding="utf-8"?>
+<p1510:revInfo xmlns:a="http://schemas.openxmlformats.org/drawingml/2006/main" xmlns:r="http://schemas.openxmlformats.org/officeDocument/2006/relationships" xmlns:p1510="http://schemas.microsoft.com/office/powerpoint/2015/10/main">
+  <p1510:revLst>
+    <p1510:client id="{989FD810-8135-432A-ACE9-13FEC3F3CF8A}" v="1" dt="2020-07-21T10:25:13.654"/>
+  </p1510:revLst>
+</p1510:revInfo>
+</file>
+
 <file path=ppt/changesInfos/changesInfo1.xml><?xml version="1.0" encoding="utf-8"?>
 <pc:chgInfo xmlns:a="http://schemas.openxmlformats.org/drawingml/2006/main" xmlns:r="http://schemas.openxmlformats.org/officeDocument/2006/relationships" xmlns:ac="http://schemas.microsoft.com/office/drawing/2013/main/command" xmlns:pc="http://schemas.microsoft.com/office/powerpoint/2013/main/command">
   <pc:docChgLst>
     <pc:chgData name="정 소연" userId="3fa85fd6c1c058e0" providerId="LiveId" clId="{989FD810-8135-432A-ACE9-13FEC3F3CF8A}"/>
     <pc:docChg chg="modSld">
-      <pc:chgData name="정 소연" userId="3fa85fd6c1c058e0" providerId="LiveId" clId="{989FD810-8135-432A-ACE9-13FEC3F3CF8A}" dt="2020-07-13T09:07:35.051" v="0" actId="12385"/>
+      <pc:chgData name="정 소연" userId="3fa85fd6c1c058e0" providerId="LiveId" clId="{989FD810-8135-432A-ACE9-13FEC3F3CF8A}" dt="2020-07-21T10:27:58.930" v="75" actId="404"/>
       <pc:docMkLst>
         <pc:docMk/>
       </pc:docMkLst>
       <pc:sldChg chg="modSp mod">
-        <pc:chgData name="정 소연" userId="3fa85fd6c1c058e0" providerId="LiveId" clId="{989FD810-8135-432A-ACE9-13FEC3F3CF8A}" dt="2020-07-13T09:07:35.051" v="0" actId="12385"/>
+        <pc:chgData name="정 소연" userId="3fa85fd6c1c058e0" providerId="LiveId" clId="{989FD810-8135-432A-ACE9-13FEC3F3CF8A}" dt="2020-07-21T10:27:58.930" v="75" actId="404"/>
         <pc:sldMkLst>
           <pc:docMk/>
           <pc:sldMk cId="200650616" sldId="256"/>
         </pc:sldMkLst>
-        <pc:graphicFrameChg chg="modGraphic">
-          <ac:chgData name="정 소연" userId="3fa85fd6c1c058e0" providerId="LiveId" clId="{989FD810-8135-432A-ACE9-13FEC3F3CF8A}" dt="2020-07-13T09:07:35.051" v="0" actId="12385"/>
+        <pc:graphicFrameChg chg="mod modGraphic">
+          <ac:chgData name="정 소연" userId="3fa85fd6c1c058e0" providerId="LiveId" clId="{989FD810-8135-432A-ACE9-13FEC3F3CF8A}" dt="2020-07-21T10:27:58.930" v="75" actId="404"/>
           <ac:graphicFrameMkLst>
             <pc:docMk/>
             <pc:sldMk cId="200650616" sldId="256"/>
@@ -289,7 +297,7 @@
           <a:p>
             <a:fld id="{C3A7E4E7-598D-40D9-96D3-7BDBE96316F6}" type="datetimeFigureOut">
               <a:rPr lang="ko-KR" altLang="en-US" smtClean="0"/>
-              <a:t>2020-07-13</a:t>
+              <a:t>2020-07-21</a:t>
             </a:fld>
             <a:endParaRPr lang="ko-KR" altLang="en-US"/>
           </a:p>
@@ -487,7 +495,7 @@
           <a:p>
             <a:fld id="{C3A7E4E7-598D-40D9-96D3-7BDBE96316F6}" type="datetimeFigureOut">
               <a:rPr lang="ko-KR" altLang="en-US" smtClean="0"/>
-              <a:t>2020-07-13</a:t>
+              <a:t>2020-07-21</a:t>
             </a:fld>
             <a:endParaRPr lang="ko-KR" altLang="en-US"/>
           </a:p>
@@ -695,7 +703,7 @@
           <a:p>
             <a:fld id="{C3A7E4E7-598D-40D9-96D3-7BDBE96316F6}" type="datetimeFigureOut">
               <a:rPr lang="ko-KR" altLang="en-US" smtClean="0"/>
-              <a:t>2020-07-13</a:t>
+              <a:t>2020-07-21</a:t>
             </a:fld>
             <a:endParaRPr lang="ko-KR" altLang="en-US"/>
           </a:p>
@@ -893,7 +901,7 @@
           <a:p>
             <a:fld id="{C3A7E4E7-598D-40D9-96D3-7BDBE96316F6}" type="datetimeFigureOut">
               <a:rPr lang="ko-KR" altLang="en-US" smtClean="0"/>
-              <a:t>2020-07-13</a:t>
+              <a:t>2020-07-21</a:t>
             </a:fld>
             <a:endParaRPr lang="ko-KR" altLang="en-US"/>
           </a:p>
@@ -1168,7 +1176,7 @@
           <a:p>
             <a:fld id="{C3A7E4E7-598D-40D9-96D3-7BDBE96316F6}" type="datetimeFigureOut">
               <a:rPr lang="ko-KR" altLang="en-US" smtClean="0"/>
-              <a:t>2020-07-13</a:t>
+              <a:t>2020-07-21</a:t>
             </a:fld>
             <a:endParaRPr lang="ko-KR" altLang="en-US"/>
           </a:p>
@@ -1433,7 +1441,7 @@
           <a:p>
             <a:fld id="{C3A7E4E7-598D-40D9-96D3-7BDBE96316F6}" type="datetimeFigureOut">
               <a:rPr lang="ko-KR" altLang="en-US" smtClean="0"/>
-              <a:t>2020-07-13</a:t>
+              <a:t>2020-07-21</a:t>
             </a:fld>
             <a:endParaRPr lang="ko-KR" altLang="en-US"/>
           </a:p>
@@ -1845,7 +1853,7 @@
           <a:p>
             <a:fld id="{C3A7E4E7-598D-40D9-96D3-7BDBE96316F6}" type="datetimeFigureOut">
               <a:rPr lang="ko-KR" altLang="en-US" smtClean="0"/>
-              <a:t>2020-07-13</a:t>
+              <a:t>2020-07-21</a:t>
             </a:fld>
             <a:endParaRPr lang="ko-KR" altLang="en-US"/>
           </a:p>
@@ -1986,7 +1994,7 @@
           <a:p>
             <a:fld id="{C3A7E4E7-598D-40D9-96D3-7BDBE96316F6}" type="datetimeFigureOut">
               <a:rPr lang="ko-KR" altLang="en-US" smtClean="0"/>
-              <a:t>2020-07-13</a:t>
+              <a:t>2020-07-21</a:t>
             </a:fld>
             <a:endParaRPr lang="ko-KR" altLang="en-US"/>
           </a:p>
@@ -2099,7 +2107,7 @@
           <a:p>
             <a:fld id="{C3A7E4E7-598D-40D9-96D3-7BDBE96316F6}" type="datetimeFigureOut">
               <a:rPr lang="ko-KR" altLang="en-US" smtClean="0"/>
-              <a:t>2020-07-13</a:t>
+              <a:t>2020-07-21</a:t>
             </a:fld>
             <a:endParaRPr lang="ko-KR" altLang="en-US"/>
           </a:p>
@@ -2410,7 +2418,7 @@
           <a:p>
             <a:fld id="{C3A7E4E7-598D-40D9-96D3-7BDBE96316F6}" type="datetimeFigureOut">
               <a:rPr lang="ko-KR" altLang="en-US" smtClean="0"/>
-              <a:t>2020-07-13</a:t>
+              <a:t>2020-07-21</a:t>
             </a:fld>
             <a:endParaRPr lang="ko-KR" altLang="en-US"/>
           </a:p>
@@ -2698,7 +2706,7 @@
           <a:p>
             <a:fld id="{C3A7E4E7-598D-40D9-96D3-7BDBE96316F6}" type="datetimeFigureOut">
               <a:rPr lang="ko-KR" altLang="en-US" smtClean="0"/>
-              <a:t>2020-07-13</a:t>
+              <a:t>2020-07-21</a:t>
             </a:fld>
             <a:endParaRPr lang="ko-KR" altLang="en-US"/>
           </a:p>
@@ -2939,7 +2947,7 @@
           <a:p>
             <a:fld id="{C3A7E4E7-598D-40D9-96D3-7BDBE96316F6}" type="datetimeFigureOut">
               <a:rPr lang="ko-KR" altLang="en-US" smtClean="0"/>
-              <a:t>2020-07-13</a:t>
+              <a:t>2020-07-21</a:t>
             </a:fld>
             <a:endParaRPr lang="ko-KR" altLang="en-US"/>
           </a:p>
@@ -3371,7 +3379,7 @@
           <p:nvPr>
             <p:extLst>
               <p:ext uri="{D42A27DB-BD31-4B8C-83A1-F6EECF244321}">
-                <p14:modId xmlns:p14="http://schemas.microsoft.com/office/powerpoint/2010/main" val="2877098868"/>
+                <p14:modId xmlns:p14="http://schemas.microsoft.com/office/powerpoint/2010/main" val="1434013871"/>
               </p:ext>
             </p:extLst>
           </p:nvPr>
@@ -3554,12 +3562,16 @@
                   </a:txBody>
                   <a:tcPr/>
                 </a:tc>
-                <a:tc>
+                <a:tc rowSpan="3">
                   <a:txBody>
                     <a:bodyPr/>
                     <a:lstStyle/>
                     <a:p>
                       <a:pPr algn="ctr" latinLnBrk="1"/>
+                      <a:r>
+                        <a:rPr lang="en-US" altLang="ko-KR" dirty="0"/>
+                        <a:t>L7(firewall)</a:t>
+                      </a:r>
                       <a:endParaRPr lang="ko-KR" altLang="en-US" dirty="0"/>
                     </a:p>
                   </a:txBody>
@@ -3648,7 +3660,7 @@
                   </a:txBody>
                   <a:tcPr/>
                 </a:tc>
-                <a:tc>
+                <a:tc vMerge="1">
                   <a:txBody>
                     <a:bodyPr/>
                     <a:lstStyle/>
@@ -3726,13 +3738,13 @@
                   </a:txBody>
                   <a:tcPr/>
                 </a:tc>
-                <a:tc>
+                <a:tc vMerge="1">
                   <a:txBody>
                     <a:bodyPr/>
                     <a:lstStyle/>
                     <a:p>
                       <a:pPr algn="ctr" latinLnBrk="1"/>
-                      <a:endParaRPr lang="ko-KR" altLang="en-US"/>
+                      <a:endParaRPr lang="ko-KR" altLang="en-US" dirty="0"/>
                     </a:p>
                   </a:txBody>
                   <a:tcPr/>
@@ -3810,6 +3822,10 @@
                     <a:lstStyle/>
                     <a:p>
                       <a:pPr algn="ctr" latinLnBrk="1"/>
+                      <a:r>
+                        <a:rPr lang="en-US" altLang="ko-KR" dirty="0"/>
+                        <a:t>L4(NAT)</a:t>
+                      </a:r>
                       <a:endParaRPr lang="ko-KR" altLang="en-US" dirty="0"/>
                     </a:p>
                   </a:txBody>
@@ -3904,6 +3920,10 @@
                     <a:lstStyle/>
                     <a:p>
                       <a:pPr algn="ctr" latinLnBrk="1"/>
+                      <a:r>
+                        <a:rPr lang="en-US" altLang="ko-KR" dirty="0"/>
+                        <a:t>L3(router)</a:t>
+                      </a:r>
                       <a:endParaRPr lang="ko-KR" altLang="en-US" dirty="0"/>
                     </a:p>
                   </a:txBody>
@@ -3922,6 +3942,14 @@
                           </a:solidFill>
                         </a:rPr>
                         <a:t>IP</a:t>
+                      </a:r>
+                      <a:r>
+                        <a:rPr lang="en-US" altLang="ko-KR" sz="1200" dirty="0">
+                          <a:solidFill>
+                            <a:srgbClr val="FF0000"/>
+                          </a:solidFill>
+                        </a:rPr>
+                        <a:t>(IPv4)</a:t>
                       </a:r>
                       <a:endParaRPr lang="ko-KR" altLang="en-US" dirty="0">
                         <a:solidFill>
@@ -3998,7 +4026,11 @@
                     <a:lstStyle/>
                     <a:p>
                       <a:pPr algn="ctr" latinLnBrk="1"/>
-                      <a:endParaRPr lang="ko-KR" altLang="en-US"/>
+                      <a:r>
+                        <a:rPr lang="en-US" altLang="ko-KR" dirty="0"/>
+                        <a:t>L2(switch)</a:t>
+                      </a:r>
+                      <a:endParaRPr lang="ko-KR" altLang="en-US" dirty="0"/>
                     </a:p>
                   </a:txBody>
                   <a:tcPr/>
@@ -4099,7 +4131,11 @@
                     <a:lstStyle/>
                     <a:p>
                       <a:pPr algn="ctr" latinLnBrk="1"/>
-                      <a:endParaRPr lang="ko-KR" altLang="en-US"/>
+                      <a:r>
+                        <a:rPr lang="en-US" altLang="ko-KR" dirty="0"/>
+                        <a:t>L1</a:t>
+                      </a:r>
+                      <a:endParaRPr lang="ko-KR" altLang="en-US" dirty="0"/>
                     </a:p>
                   </a:txBody>
                   <a:tcPr/>
